--- a/US House Prices.pptx
+++ b/US House Prices.pptx
@@ -130,27 +130,14 @@
 </file>
 
 <file path=ppt/diagrams/colors1.xml><?xml version="1.0" encoding="utf-8"?>
-<dgm:colorsDef xmlns:dgm="http://schemas.openxmlformats.org/drawingml/2006/diagram" xmlns:a="http://schemas.openxmlformats.org/drawingml/2006/main" uniqueId="urn:microsoft.com/office/officeart/2005/8/colors/colorful5">
+<dgm:colorsDef xmlns:dgm="http://schemas.openxmlformats.org/drawingml/2006/diagram" xmlns:a="http://schemas.openxmlformats.org/drawingml/2006/main" uniqueId="urn:microsoft.com/office/officeart/2018/5/colors/Iconchunking_neutralbg_accent6_2">
   <dgm:title val=""/>
   <dgm:desc val=""/>
   <dgm:catLst>
-    <dgm:cat type="colorful" pri="10500"/>
+    <dgm:cat type="accent6" pri="16200"/>
   </dgm:catLst>
   <dgm:styleLbl name="node0">
     <dgm:fillClrLst meth="repeat">
-      <a:schemeClr val="accent4"/>
-    </dgm:fillClrLst>
-    <dgm:linClrLst meth="repeat">
-      <a:schemeClr val="lt1"/>
-    </dgm:linClrLst>
-    <dgm:effectClrLst/>
-    <dgm:txLinClrLst/>
-    <dgm:txFillClrLst/>
-    <dgm:txEffectClrLst/>
-  </dgm:styleLbl>
-  <dgm:styleLbl name="node1">
-    <dgm:fillClrLst>
-      <a:schemeClr val="accent5"/>
       <a:schemeClr val="accent6"/>
     </dgm:fillClrLst>
     <dgm:linClrLst meth="repeat">
@@ -161,13 +148,25 @@
     <dgm:txFillClrLst/>
     <dgm:txEffectClrLst/>
   </dgm:styleLbl>
-  <dgm:styleLbl name="alignNode1">
-    <dgm:fillClrLst>
-      <a:schemeClr val="accent5"/>
+  <dgm:styleLbl name="node1">
+    <dgm:fillClrLst meth="repeat">
       <a:schemeClr val="accent6"/>
     </dgm:fillClrLst>
-    <dgm:linClrLst>
-      <a:schemeClr val="accent5"/>
+    <dgm:linClrLst meth="repeat">
+      <a:schemeClr val="lt1">
+        <a:alpha val="0"/>
+      </a:schemeClr>
+    </dgm:linClrLst>
+    <dgm:effectClrLst/>
+    <dgm:txLinClrLst/>
+    <dgm:txFillClrLst/>
+    <dgm:txEffectClrLst/>
+  </dgm:styleLbl>
+  <dgm:styleLbl name="alignNode1">
+    <dgm:fillClrLst meth="repeat">
+      <a:schemeClr val="accent6"/>
+    </dgm:fillClrLst>
+    <dgm:linClrLst meth="repeat">
       <a:schemeClr val="accent6"/>
     </dgm:linClrLst>
     <dgm:effectClrLst/>
@@ -176,8 +175,7 @@
     <dgm:txEffectClrLst/>
   </dgm:styleLbl>
   <dgm:styleLbl name="lnNode1">
-    <dgm:fillClrLst>
-      <a:schemeClr val="accent5"/>
+    <dgm:fillClrLst meth="repeat">
       <a:schemeClr val="accent6"/>
     </dgm:fillClrLst>
     <dgm:linClrLst meth="repeat">
@@ -189,10 +187,7 @@
     <dgm:txEffectClrLst/>
   </dgm:styleLbl>
   <dgm:styleLbl name="vennNode1">
-    <dgm:fillClrLst>
-      <a:schemeClr val="accent5">
-        <a:alpha val="50000"/>
-      </a:schemeClr>
+    <dgm:fillClrLst meth="repeat">
       <a:schemeClr val="accent6">
         <a:alpha val="50000"/>
       </a:schemeClr>
@@ -206,7 +201,7 @@
     <dgm:txEffectClrLst/>
   </dgm:styleLbl>
   <dgm:styleLbl name="node2">
-    <dgm:fillClrLst>
+    <dgm:fillClrLst meth="repeat">
       <a:schemeClr val="accent6"/>
     </dgm:fillClrLst>
     <dgm:linClrLst meth="repeat">
@@ -218,8 +213,8 @@
     <dgm:txEffectClrLst/>
   </dgm:styleLbl>
   <dgm:styleLbl name="node3">
-    <dgm:fillClrLst>
-      <a:schemeClr val="accent1"/>
+    <dgm:fillClrLst meth="repeat">
+      <a:schemeClr val="accent6"/>
     </dgm:fillClrLst>
     <dgm:linClrLst meth="repeat">
       <a:schemeClr val="lt1"/>
@@ -230,8 +225,8 @@
     <dgm:txEffectClrLst/>
   </dgm:styleLbl>
   <dgm:styleLbl name="node4">
-    <dgm:fillClrLst>
-      <a:schemeClr val="accent2"/>
+    <dgm:fillClrLst meth="repeat">
+      <a:schemeClr val="accent6"/>
     </dgm:fillClrLst>
     <dgm:linClrLst meth="repeat">
       <a:schemeClr val="lt1"/>
@@ -242,10 +237,7 @@
     <dgm:txEffectClrLst/>
   </dgm:styleLbl>
   <dgm:styleLbl name="fgImgPlace1">
-    <dgm:fillClrLst>
-      <a:schemeClr val="accent5">
-        <a:tint val="50000"/>
-      </a:schemeClr>
+    <dgm:fillClrLst meth="repeat">
       <a:schemeClr val="accent6">
         <a:tint val="50000"/>
       </a:schemeClr>
@@ -261,12 +253,9 @@
     <dgm:txEffectClrLst/>
   </dgm:styleLbl>
   <dgm:styleLbl name="alignImgPlace1">
-    <dgm:fillClrLst>
-      <a:schemeClr val="accent5">
+    <dgm:fillClrLst meth="repeat">
+      <a:schemeClr val="accent6">
         <a:tint val="50000"/>
-      </a:schemeClr>
-      <a:schemeClr val="accent6">
-        <a:tint val="20000"/>
       </a:schemeClr>
     </dgm:fillClrLst>
     <dgm:linClrLst meth="repeat">
@@ -280,12 +269,9 @@
     <dgm:txEffectClrLst/>
   </dgm:styleLbl>
   <dgm:styleLbl name="bgImgPlace1">
-    <dgm:fillClrLst>
-      <a:schemeClr val="accent5">
+    <dgm:fillClrLst meth="repeat">
+      <a:schemeClr val="accent6">
         <a:tint val="50000"/>
-      </a:schemeClr>
-      <a:schemeClr val="accent6">
-        <a:tint val="20000"/>
       </a:schemeClr>
     </dgm:fillClrLst>
     <dgm:linClrLst meth="repeat">
@@ -299,12 +285,15 @@
     <dgm:txEffectClrLst/>
   </dgm:styleLbl>
   <dgm:styleLbl name="sibTrans2D1">
-    <dgm:fillClrLst>
-      <a:schemeClr val="accent5"/>
-      <a:schemeClr val="accent6"/>
+    <dgm:fillClrLst meth="repeat">
+      <a:schemeClr val="accent6">
+        <a:tint val="60000"/>
+      </a:schemeClr>
     </dgm:fillClrLst>
     <dgm:linClrLst meth="repeat">
-      <a:schemeClr val="lt1"/>
+      <a:schemeClr val="accent6">
+        <a:tint val="60000"/>
+      </a:schemeClr>
     </dgm:linClrLst>
     <dgm:effectClrLst/>
     <dgm:txLinClrLst/>
@@ -312,39 +301,42 @@
     <dgm:txEffectClrLst/>
   </dgm:styleLbl>
   <dgm:styleLbl name="fgSibTrans2D1">
-    <dgm:fillClrLst>
-      <a:schemeClr val="accent5"/>
+    <dgm:fillClrLst meth="repeat">
+      <a:schemeClr val="accent6">
+        <a:tint val="60000"/>
+      </a:schemeClr>
+    </dgm:fillClrLst>
+    <dgm:linClrLst meth="repeat">
+      <a:schemeClr val="accent6">
+        <a:tint val="60000"/>
+      </a:schemeClr>
+    </dgm:linClrLst>
+    <dgm:effectClrLst/>
+    <dgm:txLinClrLst/>
+    <dgm:txFillClrLst/>
+    <dgm:txEffectClrLst/>
+  </dgm:styleLbl>
+  <dgm:styleLbl name="bgSibTrans2D1">
+    <dgm:fillClrLst meth="repeat">
+      <a:schemeClr val="accent6">
+        <a:tint val="60000"/>
+      </a:schemeClr>
+    </dgm:fillClrLst>
+    <dgm:linClrLst meth="repeat">
+      <a:schemeClr val="accent6">
+        <a:tint val="60000"/>
+      </a:schemeClr>
+    </dgm:linClrLst>
+    <dgm:effectClrLst/>
+    <dgm:txLinClrLst/>
+    <dgm:txFillClrLst/>
+    <dgm:txEffectClrLst/>
+  </dgm:styleLbl>
+  <dgm:styleLbl name="sibTrans1D1">
+    <dgm:fillClrLst meth="repeat">
       <a:schemeClr val="accent6"/>
     </dgm:fillClrLst>
     <dgm:linClrLst meth="repeat">
-      <a:schemeClr val="lt1"/>
-    </dgm:linClrLst>
-    <dgm:effectClrLst/>
-    <dgm:txLinClrLst/>
-    <dgm:txFillClrLst meth="repeat">
-      <a:schemeClr val="lt1"/>
-    </dgm:txFillClrLst>
-    <dgm:txEffectClrLst/>
-  </dgm:styleLbl>
-  <dgm:styleLbl name="bgSibTrans2D1">
-    <dgm:fillClrLst>
-      <a:schemeClr val="accent5"/>
-      <a:schemeClr val="accent6"/>
-    </dgm:fillClrLst>
-    <dgm:linClrLst meth="repeat">
-      <a:schemeClr val="lt1"/>
-    </dgm:linClrLst>
-    <dgm:effectClrLst/>
-    <dgm:txLinClrLst/>
-    <dgm:txFillClrLst meth="repeat">
-      <a:schemeClr val="lt1"/>
-    </dgm:txFillClrLst>
-    <dgm:txEffectClrLst/>
-  </dgm:styleLbl>
-  <dgm:styleLbl name="sibTrans1D1">
-    <dgm:fillClrLst/>
-    <dgm:linClrLst>
-      <a:schemeClr val="accent5"/>
       <a:schemeClr val="accent6"/>
     </dgm:linClrLst>
     <dgm:effectClrLst/>
@@ -356,10 +348,10 @@
   </dgm:styleLbl>
   <dgm:styleLbl name="callout">
     <dgm:fillClrLst meth="repeat">
-      <a:schemeClr val="accent5"/>
+      <a:schemeClr val="accent6"/>
     </dgm:fillClrLst>
     <dgm:linClrLst meth="repeat">
-      <a:schemeClr val="accent5">
+      <a:schemeClr val="accent6">
         <a:tint val="50000"/>
       </a:schemeClr>
     </dgm:linClrLst>
@@ -371,84 +363,6 @@
     <dgm:txEffectClrLst/>
   </dgm:styleLbl>
   <dgm:styleLbl name="asst0">
-    <dgm:fillClrLst meth="repeat">
-      <a:schemeClr val="accent5"/>
-    </dgm:fillClrLst>
-    <dgm:linClrLst meth="repeat">
-      <a:schemeClr val="lt1">
-        <a:shade val="80000"/>
-      </a:schemeClr>
-    </dgm:linClrLst>
-    <dgm:effectClrLst/>
-    <dgm:txLinClrLst/>
-    <dgm:txFillClrLst/>
-    <dgm:txEffectClrLst/>
-  </dgm:styleLbl>
-  <dgm:styleLbl name="asst1">
-    <dgm:fillClrLst meth="repeat">
-      <a:schemeClr val="accent6"/>
-    </dgm:fillClrLst>
-    <dgm:linClrLst meth="repeat">
-      <a:schemeClr val="lt1">
-        <a:shade val="80000"/>
-      </a:schemeClr>
-    </dgm:linClrLst>
-    <dgm:effectClrLst/>
-    <dgm:txLinClrLst/>
-    <dgm:txFillClrLst/>
-    <dgm:txEffectClrLst/>
-  </dgm:styleLbl>
-  <dgm:styleLbl name="asst2">
-    <dgm:fillClrLst>
-      <a:schemeClr val="accent1"/>
-    </dgm:fillClrLst>
-    <dgm:linClrLst meth="repeat">
-      <a:schemeClr val="lt1"/>
-    </dgm:linClrLst>
-    <dgm:effectClrLst/>
-    <dgm:txLinClrLst/>
-    <dgm:txFillClrLst/>
-    <dgm:txEffectClrLst/>
-  </dgm:styleLbl>
-  <dgm:styleLbl name="asst3">
-    <dgm:fillClrLst>
-      <a:schemeClr val="accent2"/>
-    </dgm:fillClrLst>
-    <dgm:linClrLst meth="repeat">
-      <a:schemeClr val="lt1"/>
-    </dgm:linClrLst>
-    <dgm:effectClrLst/>
-    <dgm:txLinClrLst/>
-    <dgm:txFillClrLst/>
-    <dgm:txEffectClrLst/>
-  </dgm:styleLbl>
-  <dgm:styleLbl name="asst4">
-    <dgm:fillClrLst>
-      <a:schemeClr val="accent3"/>
-    </dgm:fillClrLst>
-    <dgm:linClrLst meth="repeat">
-      <a:schemeClr val="lt1"/>
-    </dgm:linClrLst>
-    <dgm:effectClrLst/>
-    <dgm:txLinClrLst/>
-    <dgm:txFillClrLst/>
-    <dgm:txEffectClrLst/>
-  </dgm:styleLbl>
-  <dgm:styleLbl name="parChTrans2D1">
-    <dgm:fillClrLst meth="repeat">
-      <a:schemeClr val="accent5"/>
-    </dgm:fillClrLst>
-    <dgm:linClrLst meth="repeat">
-      <a:schemeClr val="lt1"/>
-    </dgm:linClrLst>
-    <dgm:effectClrLst/>
-    <dgm:txLinClrLst/>
-    <dgm:txFillClrLst meth="repeat">
-      <a:schemeClr val="lt1"/>
-    </dgm:txFillClrLst>
-    <dgm:txEffectClrLst/>
-  </dgm:styleLbl>
-  <dgm:styleLbl name="parChTrans2D2">
     <dgm:fillClrLst meth="repeat">
       <a:schemeClr val="accent6"/>
     </dgm:fillClrLst>
@@ -460,7 +374,7 @@
     <dgm:txFillClrLst/>
     <dgm:txEffectClrLst/>
   </dgm:styleLbl>
-  <dgm:styleLbl name="parChTrans2D3">
+  <dgm:styleLbl name="asst1">
     <dgm:fillClrLst meth="repeat">
       <a:schemeClr val="accent6"/>
     </dgm:fillClrLst>
@@ -472,12 +386,52 @@
     <dgm:txFillClrLst/>
     <dgm:txEffectClrLst/>
   </dgm:styleLbl>
-  <dgm:styleLbl name="parChTrans2D4">
+  <dgm:styleLbl name="asst2">
     <dgm:fillClrLst meth="repeat">
-      <a:schemeClr val="accent1"/>
+      <a:schemeClr val="accent6"/>
     </dgm:fillClrLst>
     <dgm:linClrLst meth="repeat">
       <a:schemeClr val="lt1"/>
+    </dgm:linClrLst>
+    <dgm:effectClrLst/>
+    <dgm:txLinClrLst/>
+    <dgm:txFillClrLst/>
+    <dgm:txEffectClrLst/>
+  </dgm:styleLbl>
+  <dgm:styleLbl name="asst3">
+    <dgm:fillClrLst meth="repeat">
+      <a:schemeClr val="accent6"/>
+    </dgm:fillClrLst>
+    <dgm:linClrLst meth="repeat">
+      <a:schemeClr val="lt1"/>
+    </dgm:linClrLst>
+    <dgm:effectClrLst/>
+    <dgm:txLinClrLst/>
+    <dgm:txFillClrLst/>
+    <dgm:txEffectClrLst/>
+  </dgm:styleLbl>
+  <dgm:styleLbl name="asst4">
+    <dgm:fillClrLst meth="repeat">
+      <a:schemeClr val="accent6"/>
+    </dgm:fillClrLst>
+    <dgm:linClrLst meth="repeat">
+      <a:schemeClr val="lt1"/>
+    </dgm:linClrLst>
+    <dgm:effectClrLst/>
+    <dgm:txLinClrLst/>
+    <dgm:txFillClrLst/>
+    <dgm:txEffectClrLst/>
+  </dgm:styleLbl>
+  <dgm:styleLbl name="parChTrans2D1">
+    <dgm:fillClrLst meth="repeat">
+      <a:schemeClr val="accent6">
+        <a:tint val="60000"/>
+      </a:schemeClr>
+    </dgm:fillClrLst>
+    <dgm:linClrLst meth="repeat">
+      <a:schemeClr val="accent6">
+        <a:tint val="60000"/>
+      </a:schemeClr>
     </dgm:linClrLst>
     <dgm:effectClrLst/>
     <dgm:txLinClrLst/>
@@ -486,12 +440,56 @@
     </dgm:txFillClrLst>
     <dgm:txEffectClrLst/>
   </dgm:styleLbl>
+  <dgm:styleLbl name="parChTrans2D2">
+    <dgm:fillClrLst meth="repeat">
+      <a:schemeClr val="accent6"/>
+    </dgm:fillClrLst>
+    <dgm:linClrLst meth="repeat">
+      <a:schemeClr val="accent6"/>
+    </dgm:linClrLst>
+    <dgm:effectClrLst/>
+    <dgm:txLinClrLst/>
+    <dgm:txFillClrLst meth="repeat">
+      <a:schemeClr val="lt1"/>
+    </dgm:txFillClrLst>
+    <dgm:txEffectClrLst/>
+  </dgm:styleLbl>
+  <dgm:styleLbl name="parChTrans2D3">
+    <dgm:fillClrLst meth="repeat">
+      <a:schemeClr val="accent6"/>
+    </dgm:fillClrLst>
+    <dgm:linClrLst meth="repeat">
+      <a:schemeClr val="accent6"/>
+    </dgm:linClrLst>
+    <dgm:effectClrLst/>
+    <dgm:txLinClrLst/>
+    <dgm:txFillClrLst meth="repeat">
+      <a:schemeClr val="lt1"/>
+    </dgm:txFillClrLst>
+    <dgm:txEffectClrLst/>
+  </dgm:styleLbl>
+  <dgm:styleLbl name="parChTrans2D4">
+    <dgm:fillClrLst meth="repeat">
+      <a:schemeClr val="accent6"/>
+    </dgm:fillClrLst>
+    <dgm:linClrLst meth="repeat">
+      <a:schemeClr val="accent6"/>
+    </dgm:linClrLst>
+    <dgm:effectClrLst/>
+    <dgm:txLinClrLst/>
+    <dgm:txFillClrLst meth="repeat">
+      <a:schemeClr val="lt1"/>
+    </dgm:txFillClrLst>
+    <dgm:txEffectClrLst/>
+  </dgm:styleLbl>
   <dgm:styleLbl name="parChTrans1D1">
     <dgm:fillClrLst meth="repeat">
-      <a:schemeClr val="accent5"/>
+      <a:schemeClr val="accent6"/>
     </dgm:fillClrLst>
     <dgm:linClrLst meth="repeat">
-      <a:schemeClr val="accent5"/>
+      <a:schemeClr val="accent6">
+        <a:shade val="60000"/>
+      </a:schemeClr>
     </dgm:linClrLst>
     <dgm:effectClrLst/>
     <dgm:txLinClrLst/>
@@ -502,8 +500,56 @@
   </dgm:styleLbl>
   <dgm:styleLbl name="parChTrans1D2">
     <dgm:fillClrLst meth="repeat">
+      <a:schemeClr val="accent6"/>
+    </dgm:fillClrLst>
+    <dgm:linClrLst meth="repeat">
       <a:schemeClr val="accent6">
-        <a:tint val="90000"/>
+        <a:shade val="60000"/>
+      </a:schemeClr>
+    </dgm:linClrLst>
+    <dgm:effectClrLst/>
+    <dgm:txLinClrLst/>
+    <dgm:txFillClrLst meth="repeat">
+      <a:schemeClr val="tx1"/>
+    </dgm:txFillClrLst>
+    <dgm:txEffectClrLst/>
+  </dgm:styleLbl>
+  <dgm:styleLbl name="parChTrans1D3">
+    <dgm:fillClrLst meth="repeat">
+      <a:schemeClr val="accent6"/>
+    </dgm:fillClrLst>
+    <dgm:linClrLst meth="repeat">
+      <a:schemeClr val="accent6">
+        <a:shade val="80000"/>
+      </a:schemeClr>
+    </dgm:linClrLst>
+    <dgm:effectClrLst/>
+    <dgm:txLinClrLst/>
+    <dgm:txFillClrLst meth="repeat">
+      <a:schemeClr val="tx1"/>
+    </dgm:txFillClrLst>
+    <dgm:txEffectClrLst/>
+  </dgm:styleLbl>
+  <dgm:styleLbl name="parChTrans1D4">
+    <dgm:fillClrLst meth="repeat">
+      <a:schemeClr val="accent6"/>
+    </dgm:fillClrLst>
+    <dgm:linClrLst meth="repeat">
+      <a:schemeClr val="accent6">
+        <a:shade val="80000"/>
+      </a:schemeClr>
+    </dgm:linClrLst>
+    <dgm:effectClrLst/>
+    <dgm:txLinClrLst/>
+    <dgm:txFillClrLst meth="repeat">
+      <a:schemeClr val="tx1"/>
+    </dgm:txFillClrLst>
+    <dgm:txEffectClrLst/>
+  </dgm:styleLbl>
+  <dgm:styleLbl name="fgAcc1">
+    <dgm:fillClrLst meth="repeat">
+      <a:schemeClr val="lt1">
+        <a:alpha val="90000"/>
       </a:schemeClr>
     </dgm:fillClrLst>
     <dgm:linClrLst meth="repeat">
@@ -512,50 +558,17 @@
     <dgm:effectClrLst/>
     <dgm:txLinClrLst/>
     <dgm:txFillClrLst meth="repeat">
-      <a:schemeClr val="tx1"/>
+      <a:schemeClr val="dk1"/>
     </dgm:txFillClrLst>
     <dgm:txEffectClrLst/>
   </dgm:styleLbl>
-  <dgm:styleLbl name="parChTrans1D3">
-    <dgm:fillClrLst meth="repeat">
-      <a:schemeClr val="accent6">
-        <a:tint val="70000"/>
-      </a:schemeClr>
-    </dgm:fillClrLst>
-    <dgm:linClrLst meth="repeat">
-      <a:schemeClr val="accent1"/>
-    </dgm:linClrLst>
-    <dgm:effectClrLst/>
-    <dgm:txLinClrLst/>
-    <dgm:txFillClrLst meth="repeat">
-      <a:schemeClr val="tx1"/>
-    </dgm:txFillClrLst>
-    <dgm:txEffectClrLst/>
-  </dgm:styleLbl>
-  <dgm:styleLbl name="parChTrans1D4">
-    <dgm:fillClrLst meth="repeat">
-      <a:schemeClr val="accent6">
-        <a:tint val="50000"/>
-      </a:schemeClr>
-    </dgm:fillClrLst>
-    <dgm:linClrLst meth="repeat">
-      <a:schemeClr val="accent2"/>
-    </dgm:linClrLst>
-    <dgm:effectClrLst/>
-    <dgm:txLinClrLst/>
-    <dgm:txFillClrLst meth="repeat">
-      <a:schemeClr val="tx1"/>
-    </dgm:txFillClrLst>
-    <dgm:txEffectClrLst/>
-  </dgm:styleLbl>
-  <dgm:styleLbl name="fgAcc1">
+  <dgm:styleLbl name="conFgAcc1">
     <dgm:fillClrLst meth="repeat">
       <a:schemeClr val="lt1">
         <a:alpha val="90000"/>
       </a:schemeClr>
     </dgm:fillClrLst>
-    <dgm:linClrLst>
-      <a:schemeClr val="accent5"/>
+    <dgm:linClrLst meth="repeat">
       <a:schemeClr val="accent6"/>
     </dgm:linClrLst>
     <dgm:effectClrLst/>
@@ -565,14 +578,13 @@
     </dgm:txFillClrLst>
     <dgm:txEffectClrLst/>
   </dgm:styleLbl>
-  <dgm:styleLbl name="conFgAcc1">
+  <dgm:styleLbl name="alignAcc1">
     <dgm:fillClrLst meth="repeat">
       <a:schemeClr val="lt1">
         <a:alpha val="90000"/>
       </a:schemeClr>
     </dgm:fillClrLst>
-    <dgm:linClrLst>
-      <a:schemeClr val="accent5"/>
+    <dgm:linClrLst meth="repeat">
       <a:schemeClr val="accent6"/>
     </dgm:linClrLst>
     <dgm:effectClrLst/>
@@ -582,14 +594,13 @@
     </dgm:txFillClrLst>
     <dgm:txEffectClrLst/>
   </dgm:styleLbl>
-  <dgm:styleLbl name="alignAcc1">
+  <dgm:styleLbl name="trAlignAcc1">
     <dgm:fillClrLst meth="repeat">
       <a:schemeClr val="lt1">
-        <a:alpha val="90000"/>
+        <a:alpha val="40000"/>
       </a:schemeClr>
     </dgm:fillClrLst>
-    <dgm:linClrLst>
-      <a:schemeClr val="accent5"/>
+    <dgm:linClrLst meth="repeat">
       <a:schemeClr val="accent6"/>
     </dgm:linClrLst>
     <dgm:effectClrLst/>
@@ -599,30 +610,13 @@
     </dgm:txFillClrLst>
     <dgm:txEffectClrLst/>
   </dgm:styleLbl>
-  <dgm:styleLbl name="trAlignAcc1">
-    <dgm:fillClrLst meth="repeat">
-      <a:schemeClr val="lt1">
-        <a:alpha val="40000"/>
-      </a:schemeClr>
-    </dgm:fillClrLst>
-    <dgm:linClrLst meth="repeat">
-      <a:schemeClr val="accent5"/>
-    </dgm:linClrLst>
-    <dgm:effectClrLst/>
-    <dgm:txLinClrLst/>
-    <dgm:txFillClrLst meth="repeat">
-      <a:schemeClr val="dk1"/>
-    </dgm:txFillClrLst>
-    <dgm:txEffectClrLst/>
-  </dgm:styleLbl>
   <dgm:styleLbl name="bgAcc1">
     <dgm:fillClrLst meth="repeat">
       <a:schemeClr val="lt1">
         <a:alpha val="90000"/>
       </a:schemeClr>
     </dgm:fillClrLst>
-    <dgm:linClrLst>
-      <a:schemeClr val="accent5"/>
+    <dgm:linClrLst meth="repeat">
       <a:schemeClr val="accent6"/>
     </dgm:linClrLst>
     <dgm:effectClrLst/>
@@ -636,8 +630,7 @@
     <dgm:fillClrLst meth="repeat">
       <a:schemeClr val="lt1"/>
     </dgm:fillClrLst>
-    <dgm:linClrLst>
-      <a:schemeClr val="accent5"/>
+    <dgm:linClrLst meth="repeat">
       <a:schemeClr val="accent6"/>
     </dgm:linClrLst>
     <dgm:effectClrLst/>
@@ -651,8 +644,7 @@
     <dgm:fillClrLst meth="repeat">
       <a:schemeClr val="lt1"/>
     </dgm:fillClrLst>
-    <dgm:linClrLst>
-      <a:schemeClr val="accent5"/>
+    <dgm:linClrLst meth="repeat">
       <a:schemeClr val="accent6"/>
     </dgm:linClrLst>
     <dgm:effectClrLst/>
@@ -666,8 +658,7 @@
     <dgm:fillClrLst meth="repeat">
       <a:schemeClr val="lt1"/>
     </dgm:fillClrLst>
-    <dgm:linClrLst>
-      <a:schemeClr val="accent5"/>
+    <dgm:linClrLst meth="repeat">
       <a:schemeClr val="accent6"/>
     </dgm:linClrLst>
     <dgm:effectClrLst/>
@@ -678,24 +669,16 @@
     <dgm:txEffectClrLst/>
   </dgm:styleLbl>
   <dgm:styleLbl name="fgAccFollowNode1">
-    <dgm:fillClrLst>
-      <a:schemeClr val="accent5">
+    <dgm:fillClrLst meth="repeat">
+      <a:schemeClr val="accent6">
+        <a:alpha val="90000"/>
         <a:tint val="40000"/>
-        <a:alpha val="90000"/>
-      </a:schemeClr>
-      <a:schemeClr val="accent6">
-        <a:tint val="40000"/>
-        <a:alpha val="90000"/>
       </a:schemeClr>
     </dgm:fillClrLst>
-    <dgm:linClrLst>
-      <a:schemeClr val="accent5">
+    <dgm:linClrLst meth="repeat">
+      <a:schemeClr val="accent6">
+        <a:alpha val="90000"/>
         <a:tint val="40000"/>
-        <a:alpha val="90000"/>
-      </a:schemeClr>
-      <a:schemeClr val="accent5">
-        <a:tint val="40000"/>
-        <a:alpha val="90000"/>
       </a:schemeClr>
     </dgm:linClrLst>
     <dgm:effectClrLst/>
@@ -706,24 +689,16 @@
     <dgm:txEffectClrLst/>
   </dgm:styleLbl>
   <dgm:styleLbl name="alignAccFollowNode1">
-    <dgm:fillClrLst>
-      <a:schemeClr val="accent5">
+    <dgm:fillClrLst meth="repeat">
+      <a:schemeClr val="accent6">
+        <a:alpha val="90000"/>
         <a:tint val="40000"/>
-        <a:alpha val="90000"/>
-      </a:schemeClr>
-      <a:schemeClr val="accent6">
-        <a:tint val="40000"/>
-        <a:alpha val="90000"/>
       </a:schemeClr>
     </dgm:fillClrLst>
-    <dgm:linClrLst>
-      <a:schemeClr val="accent5">
+    <dgm:linClrLst meth="repeat">
+      <a:schemeClr val="accent6">
+        <a:alpha val="90000"/>
         <a:tint val="40000"/>
-        <a:alpha val="90000"/>
-      </a:schemeClr>
-      <a:schemeClr val="accent6">
-        <a:tint val="40000"/>
-        <a:alpha val="90000"/>
       </a:schemeClr>
     </dgm:linClrLst>
     <dgm:effectClrLst/>
@@ -734,24 +709,16 @@
     <dgm:txEffectClrLst/>
   </dgm:styleLbl>
   <dgm:styleLbl name="bgAccFollowNode1">
-    <dgm:fillClrLst>
-      <a:schemeClr val="accent5">
+    <dgm:fillClrLst meth="repeat">
+      <a:schemeClr val="accent6">
+        <a:alpha val="90000"/>
         <a:tint val="40000"/>
-        <a:alpha val="90000"/>
-      </a:schemeClr>
-      <a:schemeClr val="accent6">
-        <a:tint val="40000"/>
-        <a:alpha val="90000"/>
       </a:schemeClr>
     </dgm:fillClrLst>
-    <dgm:linClrLst>
-      <a:schemeClr val="accent5">
+    <dgm:linClrLst meth="repeat">
+      <a:schemeClr val="accent6">
+        <a:alpha val="90000"/>
         <a:tint val="40000"/>
-        <a:alpha val="90000"/>
-      </a:schemeClr>
-      <a:schemeClr val="accent6">
-        <a:tint val="40000"/>
-        <a:alpha val="90000"/>
       </a:schemeClr>
     </dgm:linClrLst>
     <dgm:effectClrLst/>
@@ -767,23 +734,7 @@
         <a:alpha val="90000"/>
       </a:schemeClr>
     </dgm:fillClrLst>
-    <dgm:linClrLst>
-      <a:schemeClr val="accent4"/>
-    </dgm:linClrLst>
-    <dgm:effectClrLst/>
-    <dgm:txLinClrLst/>
-    <dgm:txFillClrLst meth="repeat">
-      <a:schemeClr val="dk1"/>
-    </dgm:txFillClrLst>
-    <dgm:txEffectClrLst/>
-  </dgm:styleLbl>
-  <dgm:styleLbl name="fgAcc2">
-    <dgm:fillClrLst meth="repeat">
-      <a:schemeClr val="lt1">
-        <a:alpha val="90000"/>
-      </a:schemeClr>
-    </dgm:fillClrLst>
-    <dgm:linClrLst>
+    <dgm:linClrLst meth="repeat">
       <a:schemeClr val="accent6"/>
     </dgm:linClrLst>
     <dgm:effectClrLst/>
@@ -793,14 +744,14 @@
     </dgm:txFillClrLst>
     <dgm:txEffectClrLst/>
   </dgm:styleLbl>
-  <dgm:styleLbl name="fgAcc3">
+  <dgm:styleLbl name="fgAcc2">
     <dgm:fillClrLst meth="repeat">
       <a:schemeClr val="lt1">
         <a:alpha val="90000"/>
       </a:schemeClr>
     </dgm:fillClrLst>
-    <dgm:linClrLst>
-      <a:schemeClr val="accent1"/>
+    <dgm:linClrLst meth="repeat">
+      <a:schemeClr val="accent6"/>
     </dgm:linClrLst>
     <dgm:effectClrLst/>
     <dgm:txLinClrLst/>
@@ -809,14 +760,14 @@
     </dgm:txFillClrLst>
     <dgm:txEffectClrLst/>
   </dgm:styleLbl>
-  <dgm:styleLbl name="fgAcc4">
+  <dgm:styleLbl name="fgAcc3">
     <dgm:fillClrLst meth="repeat">
       <a:schemeClr val="lt1">
         <a:alpha val="90000"/>
       </a:schemeClr>
     </dgm:fillClrLst>
-    <dgm:linClrLst>
-      <a:schemeClr val="accent2"/>
+    <dgm:linClrLst meth="repeat">
+      <a:schemeClr val="accent6"/>
     </dgm:linClrLst>
     <dgm:effectClrLst/>
     <dgm:txLinClrLst/>
@@ -825,14 +776,14 @@
     </dgm:txFillClrLst>
     <dgm:txEffectClrLst/>
   </dgm:styleLbl>
-  <dgm:styleLbl name="bgShp">
+  <dgm:styleLbl name="fgAcc4">
     <dgm:fillClrLst meth="repeat">
-      <a:schemeClr val="accent5">
-        <a:tint val="40000"/>
+      <a:schemeClr val="lt1">
+        <a:alpha val="90000"/>
       </a:schemeClr>
     </dgm:fillClrLst>
     <dgm:linClrLst meth="repeat">
-      <a:schemeClr val="dk1"/>
+      <a:schemeClr val="accent6"/>
     </dgm:linClrLst>
     <dgm:effectClrLst/>
     <dgm:txLinClrLst/>
@@ -841,14 +792,30 @@
     </dgm:txFillClrLst>
     <dgm:txEffectClrLst/>
   </dgm:styleLbl>
-  <dgm:styleLbl name="dkBgShp">
+  <dgm:styleLbl name="bgShp">
     <dgm:fillClrLst meth="repeat">
-      <a:schemeClr val="accent5">
-        <a:shade val="90000"/>
+      <a:schemeClr val="bg1">
+        <a:lumMod val="95000"/>
       </a:schemeClr>
     </dgm:fillClrLst>
     <dgm:linClrLst meth="repeat">
+      <a:schemeClr val="accent6"/>
+    </dgm:linClrLst>
+    <dgm:effectClrLst/>
+    <dgm:txLinClrLst/>
+    <dgm:txFillClrLst meth="repeat">
       <a:schemeClr val="dk1"/>
+    </dgm:txFillClrLst>
+    <dgm:txEffectClrLst/>
+  </dgm:styleLbl>
+  <dgm:styleLbl name="dkBgShp">
+    <dgm:fillClrLst meth="repeat">
+      <a:schemeClr val="accent6">
+        <a:shade val="80000"/>
+      </a:schemeClr>
+    </dgm:fillClrLst>
+    <dgm:linClrLst meth="repeat">
+      <a:schemeClr val="accent6"/>
     </dgm:linClrLst>
     <dgm:effectClrLst/>
     <dgm:txLinClrLst/>
@@ -859,13 +826,13 @@
   </dgm:styleLbl>
   <dgm:styleLbl name="trBgShp">
     <dgm:fillClrLst meth="repeat">
-      <a:schemeClr val="accent5">
+      <a:schemeClr val="accent6">
         <a:tint val="50000"/>
         <a:alpha val="40000"/>
       </a:schemeClr>
     </dgm:fillClrLst>
     <dgm:linClrLst meth="repeat">
-      <a:schemeClr val="accent5"/>
+      <a:schemeClr val="accent6"/>
     </dgm:linClrLst>
     <dgm:effectClrLst/>
     <dgm:txLinClrLst/>
@@ -876,8 +843,8 @@
   </dgm:styleLbl>
   <dgm:styleLbl name="fgShp">
     <dgm:fillClrLst meth="repeat">
-      <a:schemeClr val="accent5">
-        <a:tint val="40000"/>
+      <a:schemeClr val="accent6">
+        <a:tint val="60000"/>
       </a:schemeClr>
     </dgm:fillClrLst>
     <dgm:linClrLst meth="repeat">
@@ -1662,7 +1629,7 @@
 <dgm:dataModel xmlns:dgm="http://schemas.openxmlformats.org/drawingml/2006/diagram" xmlns:a="http://schemas.openxmlformats.org/drawingml/2006/main">
   <dgm:ptLst>
     <dgm:pt modelId="{59CBBF6A-FCEF-4934-B3B6-B0466C0014AD}" type="doc">
-      <dgm:prSet loTypeId="urn:microsoft.com/office/officeart/2018/2/layout/IconLabelList" loCatId="icon" qsTypeId="urn:microsoft.com/office/officeart/2005/8/quickstyle/simple1" qsCatId="simple" csTypeId="urn:microsoft.com/office/officeart/2005/8/colors/colorful5" csCatId="colorful" phldr="1"/>
+      <dgm:prSet loTypeId="urn:microsoft.com/office/officeart/2018/2/layout/IconLabelList" loCatId="icon" qsTypeId="urn:microsoft.com/office/officeart/2005/8/quickstyle/simple1" qsCatId="simple" csTypeId="urn:microsoft.com/office/officeart/2018/5/colors/Iconchunking_neutralbg_accent6_2" csCatId="accent6" phldr="1"/>
       <dgm:spPr/>
       <dgm:t>
         <a:bodyPr/>
@@ -1679,11 +1646,6 @@
         <a:bodyPr/>
         <a:lstStyle/>
         <a:p>
-          <a:pPr>
-            <a:lnSpc>
-              <a:spcPct val="100000"/>
-            </a:lnSpc>
-          </a:pPr>
           <a:r>
             <a:rPr lang="en-US" dirty="0"/>
             <a:t>The goal of this project was to identify 5 zip codes that will yield a good return. </a:t>
@@ -1720,11 +1682,6 @@
         <a:bodyPr/>
         <a:lstStyle/>
         <a:p>
-          <a:pPr>
-            <a:lnSpc>
-              <a:spcPct val="100000"/>
-            </a:lnSpc>
-          </a:pPr>
           <a:r>
             <a:rPr lang="en-US"/>
             <a:t>Where we got our data and How we filtered it?</a:t>
@@ -1761,11 +1718,6 @@
         <a:bodyPr/>
         <a:lstStyle/>
         <a:p>
-          <a:pPr>
-            <a:lnSpc>
-              <a:spcPct val="100000"/>
-            </a:lnSpc>
-          </a:pPr>
           <a:r>
             <a:rPr lang="en-US"/>
             <a:t>What does our model say?</a:t>
@@ -1802,13 +1754,8 @@
         <a:bodyPr/>
         <a:lstStyle/>
         <a:p>
-          <a:pPr>
-            <a:lnSpc>
-              <a:spcPct val="100000"/>
-            </a:lnSpc>
-          </a:pPr>
           <a:r>
-            <a:rPr lang="en-US"/>
+            <a:rPr lang="en-US" dirty="0"/>
             <a:t>What kind of risk is associated with our predicted housing markets?</a:t>
           </a:r>
         </a:p>
@@ -1867,6 +1814,9 @@
             <a:fillRect/>
           </a:stretch>
         </a:blipFill>
+        <a:ln>
+          <a:noFill/>
+        </a:ln>
       </dgm:spPr>
       <dgm:extLst>
         <a:ext uri="{E40237B7-FDA0-4F09-8148-C483321AD2D9}">
@@ -1913,6 +1863,9 @@
             <a:fillRect/>
           </a:stretch>
         </a:blipFill>
+        <a:ln>
+          <a:noFill/>
+        </a:ln>
       </dgm:spPr>
       <dgm:extLst>
         <a:ext uri="{E40237B7-FDA0-4F09-8148-C483321AD2D9}">
@@ -1959,6 +1912,9 @@
             <a:fillRect/>
           </a:stretch>
         </a:blipFill>
+        <a:ln>
+          <a:noFill/>
+        </a:ln>
       </dgm:spPr>
       <dgm:extLst>
         <a:ext uri="{E40237B7-FDA0-4F09-8148-C483321AD2D9}">
@@ -1971,7 +1927,7 @@
       <dgm:spPr/>
     </dgm:pt>
     <dgm:pt modelId="{32269BDB-890E-4C8C-B8FC-47DE73578D52}" type="pres">
-      <dgm:prSet presAssocID="{7F64BA82-3878-42B1-9611-5013116E0158}" presName="textRect" presStyleLbl="revTx" presStyleIdx="2" presStyleCnt="4">
+      <dgm:prSet presAssocID="{7F64BA82-3878-42B1-9611-5013116E0158}" presName="textRect" presStyleLbl="revTx" presStyleIdx="2" presStyleCnt="4" custLinFactX="26299" custLinFactNeighborX="100000" custLinFactNeighborY="3495">
         <dgm:presLayoutVars>
           <dgm:chMax val="1"/>
           <dgm:chPref val="1"/>
@@ -2005,6 +1961,9 @@
             <a:fillRect/>
           </a:stretch>
         </a:blipFill>
+        <a:ln>
+          <a:noFill/>
+        </a:ln>
       </dgm:spPr>
       <dgm:extLst>
         <a:ext uri="{E40237B7-FDA0-4F09-8148-C483321AD2D9}">
@@ -2017,7 +1976,7 @@
       <dgm:spPr/>
     </dgm:pt>
     <dgm:pt modelId="{90D8719E-5D03-43D3-A47E-34C4EA68A4CB}" type="pres">
-      <dgm:prSet presAssocID="{C9500BF9-23BB-44EA-84BB-53807BBE6AF6}" presName="textRect" presStyleLbl="revTx" presStyleIdx="3" presStyleCnt="4">
+      <dgm:prSet presAssocID="{C9500BF9-23BB-44EA-84BB-53807BBE6AF6}" presName="textRect" presStyleLbl="revTx" presStyleIdx="3" presStyleCnt="4" custLinFactX="-11648" custLinFactNeighborX="-100000" custLinFactNeighborY="-14841">
         <dgm:presLayoutVars>
           <dgm:chMax val="1"/>
           <dgm:chPref val="1"/>
@@ -2027,34 +1986,34 @@
     </dgm:pt>
   </dgm:ptLst>
   <dgm:cxnLst>
-    <dgm:cxn modelId="{23BCD45E-5C0F-444B-8FF8-25D84127EA01}" type="presOf" srcId="{59CBBF6A-FCEF-4934-B3B6-B0466C0014AD}" destId="{3EBBCD39-4497-4D79-829D-BE48E073E3F2}" srcOrd="0" destOrd="0" presId="urn:microsoft.com/office/officeart/2018/2/layout/IconLabelList"/>
+    <dgm:cxn modelId="{AA094E10-A7F8-48DA-87A6-43A8FD4A0E68}" type="presOf" srcId="{720EC429-4E18-4021-92FB-3384D289C5A1}" destId="{6B2FA83C-3476-4A2B-B185-8BCE90F2504A}" srcOrd="0" destOrd="0" presId="urn:microsoft.com/office/officeart/2018/2/layout/IconLabelList"/>
     <dgm:cxn modelId="{1A1F776C-1F04-4007-AC6C-63F5F7E0DCE9}" srcId="{59CBBF6A-FCEF-4934-B3B6-B0466C0014AD}" destId="{C9500BF9-23BB-44EA-84BB-53807BBE6AF6}" srcOrd="3" destOrd="0" parTransId="{BE763D72-B15C-4E9F-899D-BFF2CAACC743}" sibTransId="{5B35249C-2258-4869-A6AB-2A2D62CCFBE8}"/>
-    <dgm:cxn modelId="{A3B61299-6A56-410D-98FA-966D2BAC59FF}" type="presOf" srcId="{4FBDFBBF-FE60-4177-AC4D-0A01F2807E47}" destId="{A84D91B4-16A5-4B69-B3D0-99BE1117012A}" srcOrd="0" destOrd="0" presId="urn:microsoft.com/office/officeart/2018/2/layout/IconLabelList"/>
-    <dgm:cxn modelId="{047DCEC6-8A53-4A51-BC28-65A6B6509B6F}" type="presOf" srcId="{C9500BF9-23BB-44EA-84BB-53807BBE6AF6}" destId="{90D8719E-5D03-43D3-A47E-34C4EA68A4CB}" srcOrd="0" destOrd="0" presId="urn:microsoft.com/office/officeart/2018/2/layout/IconLabelList"/>
-    <dgm:cxn modelId="{080C3ACD-4E29-41D0-A064-11208936484D}" type="presOf" srcId="{7F64BA82-3878-42B1-9611-5013116E0158}" destId="{32269BDB-890E-4C8C-B8FC-47DE73578D52}" srcOrd="0" destOrd="0" presId="urn:microsoft.com/office/officeart/2018/2/layout/IconLabelList"/>
+    <dgm:cxn modelId="{0CA27996-34EB-43C3-A2DE-1A0D00997D11}" type="presOf" srcId="{C9500BF9-23BB-44EA-84BB-53807BBE6AF6}" destId="{90D8719E-5D03-43D3-A47E-34C4EA68A4CB}" srcOrd="0" destOrd="0" presId="urn:microsoft.com/office/officeart/2018/2/layout/IconLabelList"/>
+    <dgm:cxn modelId="{3E5034AD-263F-458F-BD29-F74E2E8DAAAF}" type="presOf" srcId="{4FBDFBBF-FE60-4177-AC4D-0A01F2807E47}" destId="{A84D91B4-16A5-4B69-B3D0-99BE1117012A}" srcOrd="0" destOrd="0" presId="urn:microsoft.com/office/officeart/2018/2/layout/IconLabelList"/>
     <dgm:cxn modelId="{C78BACCE-EBF7-41AF-B14A-AB1357FAE971}" srcId="{59CBBF6A-FCEF-4934-B3B6-B0466C0014AD}" destId="{4FBDFBBF-FE60-4177-AC4D-0A01F2807E47}" srcOrd="0" destOrd="0" parTransId="{11F400E0-4A15-45EC-A4AB-B23278C92147}" sibTransId="{C74A829E-DDFA-4A66-84B7-310AE2266AE6}"/>
     <dgm:cxn modelId="{88414BD4-0B6B-4A19-975C-9B812224B391}" srcId="{59CBBF6A-FCEF-4934-B3B6-B0466C0014AD}" destId="{7F64BA82-3878-42B1-9611-5013116E0158}" srcOrd="2" destOrd="0" parTransId="{6405EF53-0B63-4AF7-8E8D-2514E42BA36F}" sibTransId="{EF468D6E-48AE-4D80-88F6-43524C4DE6F8}"/>
-    <dgm:cxn modelId="{899AA9E1-3E3D-43FE-8588-8CE225AF38A2}" type="presOf" srcId="{720EC429-4E18-4021-92FB-3384D289C5A1}" destId="{6B2FA83C-3476-4A2B-B185-8BCE90F2504A}" srcOrd="0" destOrd="0" presId="urn:microsoft.com/office/officeart/2018/2/layout/IconLabelList"/>
+    <dgm:cxn modelId="{A212CEDF-AB1D-406D-86B7-5E628A7690A9}" type="presOf" srcId="{59CBBF6A-FCEF-4934-B3B6-B0466C0014AD}" destId="{3EBBCD39-4497-4D79-829D-BE48E073E3F2}" srcOrd="0" destOrd="0" presId="urn:microsoft.com/office/officeart/2018/2/layout/IconLabelList"/>
     <dgm:cxn modelId="{7254E1E4-7322-4FD5-A497-BE4EF827D98D}" srcId="{59CBBF6A-FCEF-4934-B3B6-B0466C0014AD}" destId="{720EC429-4E18-4021-92FB-3384D289C5A1}" srcOrd="1" destOrd="0" parTransId="{F1B15DE5-954C-487E-BB91-B5C03F1D100D}" sibTransId="{7739460E-A9D3-49D5-A1DD-3550BB788F51}"/>
-    <dgm:cxn modelId="{4F335B65-FA12-4530-9C9B-DE96AEC344A7}" type="presParOf" srcId="{3EBBCD39-4497-4D79-829D-BE48E073E3F2}" destId="{52425E29-A99A-406A-94F1-6925C516E1D6}" srcOrd="0" destOrd="0" presId="urn:microsoft.com/office/officeart/2018/2/layout/IconLabelList"/>
-    <dgm:cxn modelId="{7DDB2E25-2558-4F0B-8A60-5766081685BA}" type="presParOf" srcId="{52425E29-A99A-406A-94F1-6925C516E1D6}" destId="{D973F76F-4B26-4C2C-AF54-D937FF3AB086}" srcOrd="0" destOrd="0" presId="urn:microsoft.com/office/officeart/2018/2/layout/IconLabelList"/>
-    <dgm:cxn modelId="{67BD49FF-38A3-4ADB-9963-6BA53F5D3762}" type="presParOf" srcId="{52425E29-A99A-406A-94F1-6925C516E1D6}" destId="{DDE2A432-4F77-484F-8A23-0777D2925234}" srcOrd="1" destOrd="0" presId="urn:microsoft.com/office/officeart/2018/2/layout/IconLabelList"/>
-    <dgm:cxn modelId="{3BAB8AEA-45FA-4B2C-A2B1-4DB927B715BC}" type="presParOf" srcId="{52425E29-A99A-406A-94F1-6925C516E1D6}" destId="{A84D91B4-16A5-4B69-B3D0-99BE1117012A}" srcOrd="2" destOrd="0" presId="urn:microsoft.com/office/officeart/2018/2/layout/IconLabelList"/>
-    <dgm:cxn modelId="{415BA520-3EE5-465C-AA98-642E9A16CC69}" type="presParOf" srcId="{3EBBCD39-4497-4D79-829D-BE48E073E3F2}" destId="{56873772-BB27-4855-8529-E78106D74A91}" srcOrd="1" destOrd="0" presId="urn:microsoft.com/office/officeart/2018/2/layout/IconLabelList"/>
-    <dgm:cxn modelId="{981DA464-4B98-4200-87F9-A9B3C4944311}" type="presParOf" srcId="{3EBBCD39-4497-4D79-829D-BE48E073E3F2}" destId="{BBADC9ED-5E46-480A-8B49-C0142658C00F}" srcOrd="2" destOrd="0" presId="urn:microsoft.com/office/officeart/2018/2/layout/IconLabelList"/>
-    <dgm:cxn modelId="{880DDC46-DAAC-40E0-A7EA-45E6EC523AFB}" type="presParOf" srcId="{BBADC9ED-5E46-480A-8B49-C0142658C00F}" destId="{648FC0AB-2E8F-44EF-87B4-B3D0331374AE}" srcOrd="0" destOrd="0" presId="urn:microsoft.com/office/officeart/2018/2/layout/IconLabelList"/>
-    <dgm:cxn modelId="{27A5AEF7-36F6-4D77-B1CB-0CF7FDF362D6}" type="presParOf" srcId="{BBADC9ED-5E46-480A-8B49-C0142658C00F}" destId="{E4977515-A465-456B-8B7F-9A03DDE9E487}" srcOrd="1" destOrd="0" presId="urn:microsoft.com/office/officeart/2018/2/layout/IconLabelList"/>
-    <dgm:cxn modelId="{6D8F4B83-43A1-4687-8500-D615150C9171}" type="presParOf" srcId="{BBADC9ED-5E46-480A-8B49-C0142658C00F}" destId="{6B2FA83C-3476-4A2B-B185-8BCE90F2504A}" srcOrd="2" destOrd="0" presId="urn:microsoft.com/office/officeart/2018/2/layout/IconLabelList"/>
-    <dgm:cxn modelId="{0EEA6673-93C5-4AA9-8A28-5C1DD3806DA9}" type="presParOf" srcId="{3EBBCD39-4497-4D79-829D-BE48E073E3F2}" destId="{CDCD2974-E0BD-4DB6-9C74-9257BE70B5EF}" srcOrd="3" destOrd="0" presId="urn:microsoft.com/office/officeart/2018/2/layout/IconLabelList"/>
-    <dgm:cxn modelId="{C197F72A-666F-4010-8BFC-FD0F9622F1B9}" type="presParOf" srcId="{3EBBCD39-4497-4D79-829D-BE48E073E3F2}" destId="{404495F8-C586-4B8F-97AA-5186ECC3AFC1}" srcOrd="4" destOrd="0" presId="urn:microsoft.com/office/officeart/2018/2/layout/IconLabelList"/>
-    <dgm:cxn modelId="{0DDCE59C-3DAB-4626-A0FD-20DC1351DFDB}" type="presParOf" srcId="{404495F8-C586-4B8F-97AA-5186ECC3AFC1}" destId="{D9A603A5-6910-4CAC-8B33-FF9DB8964898}" srcOrd="0" destOrd="0" presId="urn:microsoft.com/office/officeart/2018/2/layout/IconLabelList"/>
-    <dgm:cxn modelId="{E0FE4DBA-5B17-4BFD-8967-3670E36E9747}" type="presParOf" srcId="{404495F8-C586-4B8F-97AA-5186ECC3AFC1}" destId="{A3C7300B-00AC-4F26-846A-7F4F1DA58611}" srcOrd="1" destOrd="0" presId="urn:microsoft.com/office/officeart/2018/2/layout/IconLabelList"/>
-    <dgm:cxn modelId="{280052F1-7483-4565-9F7F-E6E16EECB2CA}" type="presParOf" srcId="{404495F8-C586-4B8F-97AA-5186ECC3AFC1}" destId="{32269BDB-890E-4C8C-B8FC-47DE73578D52}" srcOrd="2" destOrd="0" presId="urn:microsoft.com/office/officeart/2018/2/layout/IconLabelList"/>
-    <dgm:cxn modelId="{2BDB0BD6-61BE-4502-903E-3A2E2DB238C0}" type="presParOf" srcId="{3EBBCD39-4497-4D79-829D-BE48E073E3F2}" destId="{5E70FF8A-3C68-4937-AECD-F44022B661E7}" srcOrd="5" destOrd="0" presId="urn:microsoft.com/office/officeart/2018/2/layout/IconLabelList"/>
-    <dgm:cxn modelId="{DB05249B-6993-42D1-AB42-82F4A53AC12F}" type="presParOf" srcId="{3EBBCD39-4497-4D79-829D-BE48E073E3F2}" destId="{F0C9456B-8EE8-45D6-B412-17B6DC4864A7}" srcOrd="6" destOrd="0" presId="urn:microsoft.com/office/officeart/2018/2/layout/IconLabelList"/>
-    <dgm:cxn modelId="{F4BB34AF-9157-45D1-AB2D-C27B940690EA}" type="presParOf" srcId="{F0C9456B-8EE8-45D6-B412-17B6DC4864A7}" destId="{9D1E0584-2E84-41D6-9FD6-A62C9035C07D}" srcOrd="0" destOrd="0" presId="urn:microsoft.com/office/officeart/2018/2/layout/IconLabelList"/>
-    <dgm:cxn modelId="{55123CBD-357F-4D17-A9B5-19B43DFDB44A}" type="presParOf" srcId="{F0C9456B-8EE8-45D6-B412-17B6DC4864A7}" destId="{8DFEA74D-97EE-476E-AA03-2B7806A7B6EF}" srcOrd="1" destOrd="0" presId="urn:microsoft.com/office/officeart/2018/2/layout/IconLabelList"/>
-    <dgm:cxn modelId="{283FE1A8-77A9-48F4-98E4-F3704DA2B578}" type="presParOf" srcId="{F0C9456B-8EE8-45D6-B412-17B6DC4864A7}" destId="{90D8719E-5D03-43D3-A47E-34C4EA68A4CB}" srcOrd="2" destOrd="0" presId="urn:microsoft.com/office/officeart/2018/2/layout/IconLabelList"/>
+    <dgm:cxn modelId="{466336FD-F2DB-43D3-832B-05012F9E5150}" type="presOf" srcId="{7F64BA82-3878-42B1-9611-5013116E0158}" destId="{32269BDB-890E-4C8C-B8FC-47DE73578D52}" srcOrd="0" destOrd="0" presId="urn:microsoft.com/office/officeart/2018/2/layout/IconLabelList"/>
+    <dgm:cxn modelId="{F7E1C330-B6D4-4EFF-B4B9-F13422D8AC5F}" type="presParOf" srcId="{3EBBCD39-4497-4D79-829D-BE48E073E3F2}" destId="{52425E29-A99A-406A-94F1-6925C516E1D6}" srcOrd="0" destOrd="0" presId="urn:microsoft.com/office/officeart/2018/2/layout/IconLabelList"/>
+    <dgm:cxn modelId="{7A6DD5AA-9D3E-49F1-8A78-62AA820484EA}" type="presParOf" srcId="{52425E29-A99A-406A-94F1-6925C516E1D6}" destId="{D973F76F-4B26-4C2C-AF54-D937FF3AB086}" srcOrd="0" destOrd="0" presId="urn:microsoft.com/office/officeart/2018/2/layout/IconLabelList"/>
+    <dgm:cxn modelId="{6868F0E8-B270-4672-AD37-BBA1914EFE33}" type="presParOf" srcId="{52425E29-A99A-406A-94F1-6925C516E1D6}" destId="{DDE2A432-4F77-484F-8A23-0777D2925234}" srcOrd="1" destOrd="0" presId="urn:microsoft.com/office/officeart/2018/2/layout/IconLabelList"/>
+    <dgm:cxn modelId="{EDF39EE0-ED82-430E-8CAA-4C78EE23B3BE}" type="presParOf" srcId="{52425E29-A99A-406A-94F1-6925C516E1D6}" destId="{A84D91B4-16A5-4B69-B3D0-99BE1117012A}" srcOrd="2" destOrd="0" presId="urn:microsoft.com/office/officeart/2018/2/layout/IconLabelList"/>
+    <dgm:cxn modelId="{75394B0C-495E-42BA-87C1-5A5AD6A0BBC2}" type="presParOf" srcId="{3EBBCD39-4497-4D79-829D-BE48E073E3F2}" destId="{56873772-BB27-4855-8529-E78106D74A91}" srcOrd="1" destOrd="0" presId="urn:microsoft.com/office/officeart/2018/2/layout/IconLabelList"/>
+    <dgm:cxn modelId="{55C72018-A19A-400C-8378-B6807DC61F64}" type="presParOf" srcId="{3EBBCD39-4497-4D79-829D-BE48E073E3F2}" destId="{BBADC9ED-5E46-480A-8B49-C0142658C00F}" srcOrd="2" destOrd="0" presId="urn:microsoft.com/office/officeart/2018/2/layout/IconLabelList"/>
+    <dgm:cxn modelId="{F2EC8989-335E-415D-BFD0-D2C70FF752BD}" type="presParOf" srcId="{BBADC9ED-5E46-480A-8B49-C0142658C00F}" destId="{648FC0AB-2E8F-44EF-87B4-B3D0331374AE}" srcOrd="0" destOrd="0" presId="urn:microsoft.com/office/officeart/2018/2/layout/IconLabelList"/>
+    <dgm:cxn modelId="{62EB7D5F-E9AF-45AA-93CA-C1D54BBB85BC}" type="presParOf" srcId="{BBADC9ED-5E46-480A-8B49-C0142658C00F}" destId="{E4977515-A465-456B-8B7F-9A03DDE9E487}" srcOrd="1" destOrd="0" presId="urn:microsoft.com/office/officeart/2018/2/layout/IconLabelList"/>
+    <dgm:cxn modelId="{D3A6A4E4-1546-46F3-B7C8-D87D8D81D49C}" type="presParOf" srcId="{BBADC9ED-5E46-480A-8B49-C0142658C00F}" destId="{6B2FA83C-3476-4A2B-B185-8BCE90F2504A}" srcOrd="2" destOrd="0" presId="urn:microsoft.com/office/officeart/2018/2/layout/IconLabelList"/>
+    <dgm:cxn modelId="{159F8DB7-1F93-4AE5-8F7D-57BCEE25BDB3}" type="presParOf" srcId="{3EBBCD39-4497-4D79-829D-BE48E073E3F2}" destId="{CDCD2974-E0BD-4DB6-9C74-9257BE70B5EF}" srcOrd="3" destOrd="0" presId="urn:microsoft.com/office/officeart/2018/2/layout/IconLabelList"/>
+    <dgm:cxn modelId="{4C997ACD-9E06-4CD9-9109-DD8B2A8CDF42}" type="presParOf" srcId="{3EBBCD39-4497-4D79-829D-BE48E073E3F2}" destId="{404495F8-C586-4B8F-97AA-5186ECC3AFC1}" srcOrd="4" destOrd="0" presId="urn:microsoft.com/office/officeart/2018/2/layout/IconLabelList"/>
+    <dgm:cxn modelId="{2159A79D-9255-4000-9CF1-FEEEF908994F}" type="presParOf" srcId="{404495F8-C586-4B8F-97AA-5186ECC3AFC1}" destId="{D9A603A5-6910-4CAC-8B33-FF9DB8964898}" srcOrd="0" destOrd="0" presId="urn:microsoft.com/office/officeart/2018/2/layout/IconLabelList"/>
+    <dgm:cxn modelId="{3EB118DC-D91E-4F15-AD73-8670DEB95F4B}" type="presParOf" srcId="{404495F8-C586-4B8F-97AA-5186ECC3AFC1}" destId="{A3C7300B-00AC-4F26-846A-7F4F1DA58611}" srcOrd="1" destOrd="0" presId="urn:microsoft.com/office/officeart/2018/2/layout/IconLabelList"/>
+    <dgm:cxn modelId="{05860FFB-0F74-41FA-912A-0F625B34FFE4}" type="presParOf" srcId="{404495F8-C586-4B8F-97AA-5186ECC3AFC1}" destId="{32269BDB-890E-4C8C-B8FC-47DE73578D52}" srcOrd="2" destOrd="0" presId="urn:microsoft.com/office/officeart/2018/2/layout/IconLabelList"/>
+    <dgm:cxn modelId="{91AC02A5-3798-4D50-A121-6A506A85AD7C}" type="presParOf" srcId="{3EBBCD39-4497-4D79-829D-BE48E073E3F2}" destId="{5E70FF8A-3C68-4937-AECD-F44022B661E7}" srcOrd="5" destOrd="0" presId="urn:microsoft.com/office/officeart/2018/2/layout/IconLabelList"/>
+    <dgm:cxn modelId="{B8E67E91-0108-499B-AC6D-798A03705234}" type="presParOf" srcId="{3EBBCD39-4497-4D79-829D-BE48E073E3F2}" destId="{F0C9456B-8EE8-45D6-B412-17B6DC4864A7}" srcOrd="6" destOrd="0" presId="urn:microsoft.com/office/officeart/2018/2/layout/IconLabelList"/>
+    <dgm:cxn modelId="{5CDF4C43-329C-4D39-B81A-8A7EBEBFD100}" type="presParOf" srcId="{F0C9456B-8EE8-45D6-B412-17B6DC4864A7}" destId="{9D1E0584-2E84-41D6-9FD6-A62C9035C07D}" srcOrd="0" destOrd="0" presId="urn:microsoft.com/office/officeart/2018/2/layout/IconLabelList"/>
+    <dgm:cxn modelId="{5F927C24-0F90-47B5-8C00-247E5050AEED}" type="presParOf" srcId="{F0C9456B-8EE8-45D6-B412-17B6DC4864A7}" destId="{8DFEA74D-97EE-476E-AA03-2B7806A7B6EF}" srcOrd="1" destOrd="0" presId="urn:microsoft.com/office/officeart/2018/2/layout/IconLabelList"/>
+    <dgm:cxn modelId="{6711E052-4617-48A8-937C-A6A788E06D01}" type="presParOf" srcId="{F0C9456B-8EE8-45D6-B412-17B6DC4864A7}" destId="{90D8719E-5D03-43D3-A47E-34C4EA68A4CB}" srcOrd="2" destOrd="0" presId="urn:microsoft.com/office/officeart/2018/2/layout/IconLabelList"/>
   </dgm:cxnLst>
   <dgm:bg/>
   <dgm:whole/>
@@ -2093,8 +2052,16 @@
             </a:lnSpc>
           </a:pPr>
           <a:r>
-            <a:rPr lang="en-US"/>
-            <a:t>We got our data from Zillows database .</a:t>
+            <a:rPr lang="en-US" dirty="0"/>
+            <a:t>We got our data from </a:t>
+          </a:r>
+          <a:r>
+            <a:rPr lang="en-US" dirty="0" err="1"/>
+            <a:t>Zillows</a:t>
+          </a:r>
+          <a:r>
+            <a:rPr lang="en-US" dirty="0"/>
+            <a:t> database .</a:t>
           </a:r>
         </a:p>
       </dgm:t>
@@ -2175,8 +2142,16 @@
             </a:lnSpc>
           </a:pPr>
           <a:r>
-            <a:rPr lang="en-US"/>
-            <a:t>The data comprises of median housing prices of about 15k zipcodes over the past 20 years . </a:t>
+            <a:rPr lang="en-US" dirty="0"/>
+            <a:t>The data comprises of median housing prices of about 15k </a:t>
+          </a:r>
+          <a:r>
+            <a:rPr lang="en-US" dirty="0" err="1"/>
+            <a:t>zipcodes</a:t>
+          </a:r>
+          <a:r>
+            <a:rPr lang="en-US" dirty="0"/>
+            <a:t> over the past 20 years . </a:t>
           </a:r>
         </a:p>
       </dgm:t>
@@ -2410,8 +2385,8 @@
       </dsp:nvSpPr>
       <dsp:spPr>
         <a:xfrm>
-          <a:off x="1138979" y="1206562"/>
-          <a:ext cx="932563" cy="932563"/>
+          <a:off x="1134975" y="966416"/>
+          <a:ext cx="932434" cy="932434"/>
         </a:xfrm>
         <a:prstGeom prst="rect">
           <a:avLst/>
@@ -2432,14 +2407,7 @@
           </a:stretch>
         </a:blipFill>
         <a:ln w="12700" cap="flat" cmpd="sng" algn="ctr">
-          <a:solidFill>
-            <a:schemeClr val="lt1">
-              <a:hueOff val="0"/>
-              <a:satOff val="0"/>
-              <a:lumOff val="0"/>
-              <a:alphaOff val="0"/>
-            </a:schemeClr>
-          </a:solidFill>
+          <a:noFill/>
           <a:prstDash val="solid"/>
           <a:miter lim="800000"/>
         </a:ln>
@@ -2467,8 +2435,8 @@
       </dsp:nvSpPr>
       <dsp:spPr>
         <a:xfrm>
-          <a:off x="569079" y="2430961"/>
-          <a:ext cx="2072362" cy="720000"/>
+          <a:off x="565154" y="2190531"/>
+          <a:ext cx="2072076" cy="720000"/>
         </a:xfrm>
         <a:prstGeom prst="rect">
           <a:avLst/>
@@ -2499,7 +2467,7 @@
         <a:p>
           <a:pPr marL="0" lvl="0" indent="0" algn="ctr" defTabSz="533400">
             <a:lnSpc>
-              <a:spcPct val="100000"/>
+              <a:spcPct val="90000"/>
             </a:lnSpc>
             <a:spcBef>
               <a:spcPct val="0"/>
@@ -2516,8 +2484,8 @@
         </a:p>
       </dsp:txBody>
       <dsp:txXfrm>
-        <a:off x="569079" y="2430961"/>
-        <a:ext cx="2072362" cy="720000"/>
+        <a:off x="565154" y="2190531"/>
+        <a:ext cx="2072076" cy="720000"/>
       </dsp:txXfrm>
     </dsp:sp>
     <dsp:sp modelId="{648FC0AB-2E8F-44EF-87B4-B3D0331374AE}">
@@ -2527,8 +2495,8 @@
       </dsp:nvSpPr>
       <dsp:spPr>
         <a:xfrm>
-          <a:off x="3574005" y="1206562"/>
-          <a:ext cx="932563" cy="932563"/>
+          <a:off x="3569665" y="966416"/>
+          <a:ext cx="932434" cy="932434"/>
         </a:xfrm>
         <a:prstGeom prst="rect">
           <a:avLst/>
@@ -2549,14 +2517,7 @@
           </a:stretch>
         </a:blipFill>
         <a:ln w="12700" cap="flat" cmpd="sng" algn="ctr">
-          <a:solidFill>
-            <a:schemeClr val="lt1">
-              <a:hueOff val="0"/>
-              <a:satOff val="0"/>
-              <a:lumOff val="0"/>
-              <a:alphaOff val="0"/>
-            </a:schemeClr>
-          </a:solidFill>
+          <a:noFill/>
           <a:prstDash val="solid"/>
           <a:miter lim="800000"/>
         </a:ln>
@@ -2584,8 +2545,8 @@
       </dsp:nvSpPr>
       <dsp:spPr>
         <a:xfrm>
-          <a:off x="3004105" y="2430961"/>
-          <a:ext cx="2072362" cy="720000"/>
+          <a:off x="2999844" y="2190531"/>
+          <a:ext cx="2072076" cy="720000"/>
         </a:xfrm>
         <a:prstGeom prst="rect">
           <a:avLst/>
@@ -2616,7 +2577,7 @@
         <a:p>
           <a:pPr marL="0" lvl="0" indent="0" algn="ctr" defTabSz="533400">
             <a:lnSpc>
-              <a:spcPct val="100000"/>
+              <a:spcPct val="90000"/>
             </a:lnSpc>
             <a:spcBef>
               <a:spcPct val="0"/>
@@ -2633,8 +2594,8 @@
         </a:p>
       </dsp:txBody>
       <dsp:txXfrm>
-        <a:off x="3004105" y="2430961"/>
-        <a:ext cx="2072362" cy="720000"/>
+        <a:off x="2999844" y="2190531"/>
+        <a:ext cx="2072076" cy="720000"/>
       </dsp:txXfrm>
     </dsp:sp>
     <dsp:sp modelId="{D9A603A5-6910-4CAC-8B33-FF9DB8964898}">
@@ -2644,8 +2605,8 @@
       </dsp:nvSpPr>
       <dsp:spPr>
         <a:xfrm>
-          <a:off x="6009031" y="1206562"/>
-          <a:ext cx="932563" cy="932563"/>
+          <a:off x="6004355" y="966416"/>
+          <a:ext cx="932434" cy="932434"/>
         </a:xfrm>
         <a:prstGeom prst="rect">
           <a:avLst/>
@@ -2666,14 +2627,7 @@
           </a:stretch>
         </a:blipFill>
         <a:ln w="12700" cap="flat" cmpd="sng" algn="ctr">
-          <a:solidFill>
-            <a:schemeClr val="lt1">
-              <a:hueOff val="0"/>
-              <a:satOff val="0"/>
-              <a:lumOff val="0"/>
-              <a:alphaOff val="0"/>
-            </a:schemeClr>
-          </a:solidFill>
+          <a:noFill/>
           <a:prstDash val="solid"/>
           <a:miter lim="800000"/>
         </a:ln>
@@ -2701,8 +2655,8 @@
       </dsp:nvSpPr>
       <dsp:spPr>
         <a:xfrm>
-          <a:off x="5439131" y="2430961"/>
-          <a:ext cx="2072362" cy="720000"/>
+          <a:off x="8051546" y="2215695"/>
+          <a:ext cx="2072076" cy="720000"/>
         </a:xfrm>
         <a:prstGeom prst="rect">
           <a:avLst/>
@@ -2733,7 +2687,7 @@
         <a:p>
           <a:pPr marL="0" lvl="0" indent="0" algn="ctr" defTabSz="533400">
             <a:lnSpc>
-              <a:spcPct val="100000"/>
+              <a:spcPct val="90000"/>
             </a:lnSpc>
             <a:spcBef>
               <a:spcPct val="0"/>
@@ -2750,8 +2704,8 @@
         </a:p>
       </dsp:txBody>
       <dsp:txXfrm>
-        <a:off x="5439131" y="2430961"/>
-        <a:ext cx="2072362" cy="720000"/>
+        <a:off x="8051546" y="2215695"/>
+        <a:ext cx="2072076" cy="720000"/>
       </dsp:txXfrm>
     </dsp:sp>
     <dsp:sp modelId="{9D1E0584-2E84-41D6-9FD6-A62C9035C07D}">
@@ -2761,8 +2715,8 @@
       </dsp:nvSpPr>
       <dsp:spPr>
         <a:xfrm>
-          <a:off x="8444057" y="1206562"/>
-          <a:ext cx="932563" cy="932563"/>
+          <a:off x="8439046" y="966416"/>
+          <a:ext cx="932434" cy="932434"/>
         </a:xfrm>
         <a:prstGeom prst="rect">
           <a:avLst/>
@@ -2783,14 +2737,7 @@
           </a:stretch>
         </a:blipFill>
         <a:ln w="12700" cap="flat" cmpd="sng" algn="ctr">
-          <a:solidFill>
-            <a:schemeClr val="lt1">
-              <a:hueOff val="0"/>
-              <a:satOff val="0"/>
-              <a:lumOff val="0"/>
-              <a:alphaOff val="0"/>
-            </a:schemeClr>
-          </a:solidFill>
+          <a:noFill/>
           <a:prstDash val="solid"/>
           <a:miter lim="800000"/>
         </a:ln>
@@ -2818,8 +2765,8 @@
       </dsp:nvSpPr>
       <dsp:spPr>
         <a:xfrm>
-          <a:off x="7874157" y="2430961"/>
-          <a:ext cx="2072362" cy="720000"/>
+          <a:off x="5555792" y="2083675"/>
+          <a:ext cx="2072076" cy="720000"/>
         </a:xfrm>
         <a:prstGeom prst="rect">
           <a:avLst/>
@@ -2850,7 +2797,7 @@
         <a:p>
           <a:pPr marL="0" lvl="0" indent="0" algn="ctr" defTabSz="533400">
             <a:lnSpc>
-              <a:spcPct val="100000"/>
+              <a:spcPct val="90000"/>
             </a:lnSpc>
             <a:spcBef>
               <a:spcPct val="0"/>
@@ -2861,14 +2808,14 @@
             <a:buNone/>
           </a:pPr>
           <a:r>
-            <a:rPr lang="en-US" sz="1200" kern="1200"/>
+            <a:rPr lang="en-US" sz="1200" kern="1200" dirty="0"/>
             <a:t>What kind of risk is associated with our predicted housing markets?</a:t>
           </a:r>
         </a:p>
       </dsp:txBody>
       <dsp:txXfrm>
-        <a:off x="7874157" y="2430961"/>
-        <a:ext cx="2072362" cy="720000"/>
+        <a:off x="5555792" y="2083675"/>
+        <a:ext cx="2072076" cy="720000"/>
       </dsp:txXfrm>
     </dsp:sp>
   </dsp:spTree>
@@ -3032,8 +2979,16 @@
             <a:buNone/>
           </a:pPr>
           <a:r>
-            <a:rPr lang="en-US" sz="2500" kern="1200"/>
-            <a:t>We got our data from Zillows database .</a:t>
+            <a:rPr lang="en-US" sz="2500" kern="1200" dirty="0"/>
+            <a:t>We got our data from </a:t>
+          </a:r>
+          <a:r>
+            <a:rPr lang="en-US" sz="2500" kern="1200" dirty="0" err="1"/>
+            <a:t>Zillows</a:t>
+          </a:r>
+          <a:r>
+            <a:rPr lang="en-US" sz="2500" kern="1200" dirty="0"/>
+            <a:t> database .</a:t>
           </a:r>
         </a:p>
       </dsp:txBody>
@@ -3350,8 +3305,16 @@
             <a:buNone/>
           </a:pPr>
           <a:r>
-            <a:rPr lang="en-US" sz="2500" kern="1200"/>
-            <a:t>The data comprises of median housing prices of about 15k zipcodes over the past 20 years . </a:t>
+            <a:rPr lang="en-US" sz="2500" kern="1200" dirty="0"/>
+            <a:t>The data comprises of median housing prices of about 15k </a:t>
+          </a:r>
+          <a:r>
+            <a:rPr lang="en-US" sz="2500" kern="1200" dirty="0" err="1"/>
+            <a:t>zipcodes</a:t>
+          </a:r>
+          <a:r>
+            <a:rPr lang="en-US" sz="2500" kern="1200" dirty="0"/>
+            <a:t> over the past 20 years . </a:t>
           </a:r>
         </a:p>
       </dsp:txBody>
@@ -6072,7 +6035,7 @@
           <a:p>
             <a:fld id="{02AC24A9-CCB6-4F8D-B8DB-C2F3692CFA5A}" type="datetimeFigureOut">
               <a:rPr lang="en-US" smtClean="0"/>
-              <a:t>1/26/2021</a:t>
+              <a:t>1/27/2021</a:t>
             </a:fld>
             <a:endParaRPr lang="en-US" dirty="0"/>
           </a:p>
@@ -6442,7 +6405,7 @@
           <a:p>
             <a:fld id="{02AC24A9-CCB6-4F8D-B8DB-C2F3692CFA5A}" type="datetimeFigureOut">
               <a:rPr lang="en-US" smtClean="0"/>
-              <a:t>1/26/2021</a:t>
+              <a:t>1/27/2021</a:t>
             </a:fld>
             <a:endParaRPr lang="en-US"/>
           </a:p>
@@ -6651,7 +6614,7 @@
           <a:p>
             <a:fld id="{02AC24A9-CCB6-4F8D-B8DB-C2F3692CFA5A}" type="datetimeFigureOut">
               <a:rPr lang="en-US" smtClean="0"/>
-              <a:t>1/26/2021</a:t>
+              <a:t>1/27/2021</a:t>
             </a:fld>
             <a:endParaRPr lang="en-US"/>
           </a:p>
@@ -7121,7 +7084,7 @@
           <a:p>
             <a:fld id="{02AC24A9-CCB6-4F8D-B8DB-C2F3692CFA5A}" type="datetimeFigureOut">
               <a:rPr lang="en-US" smtClean="0"/>
-              <a:t>1/26/2021</a:t>
+              <a:t>1/27/2021</a:t>
             </a:fld>
             <a:endParaRPr lang="en-US"/>
           </a:p>
@@ -7575,7 +7538,7 @@
           <a:p>
             <a:fld id="{02AC24A9-CCB6-4F8D-B8DB-C2F3692CFA5A}" type="datetimeFigureOut">
               <a:rPr lang="en-US" smtClean="0"/>
-              <a:t>1/26/2021</a:t>
+              <a:t>1/27/2021</a:t>
             </a:fld>
             <a:endParaRPr lang="en-US"/>
           </a:p>
@@ -8107,7 +8070,7 @@
           <a:p>
             <a:fld id="{02AC24A9-CCB6-4F8D-B8DB-C2F3692CFA5A}" type="datetimeFigureOut">
               <a:rPr lang="en-US" smtClean="0"/>
-              <a:t>1/26/2021</a:t>
+              <a:t>1/27/2021</a:t>
             </a:fld>
             <a:endParaRPr lang="en-US"/>
           </a:p>
@@ -8806,7 +8769,7 @@
           <a:p>
             <a:fld id="{02AC24A9-CCB6-4F8D-B8DB-C2F3692CFA5A}" type="datetimeFigureOut">
               <a:rPr lang="en-US" smtClean="0"/>
-              <a:t>1/26/2021</a:t>
+              <a:t>1/27/2021</a:t>
             </a:fld>
             <a:endParaRPr lang="en-US"/>
           </a:p>
@@ -9135,7 +9098,7 @@
           <a:p>
             <a:fld id="{02AC24A9-CCB6-4F8D-B8DB-C2F3692CFA5A}" type="datetimeFigureOut">
               <a:rPr lang="en-US" smtClean="0"/>
-              <a:t>1/26/2021</a:t>
+              <a:t>1/27/2021</a:t>
             </a:fld>
             <a:endParaRPr lang="en-US"/>
           </a:p>
@@ -9248,7 +9211,7 @@
           <a:p>
             <a:fld id="{02AC24A9-CCB6-4F8D-B8DB-C2F3692CFA5A}" type="datetimeFigureOut">
               <a:rPr lang="en-US" smtClean="0"/>
-              <a:t>1/26/2021</a:t>
+              <a:t>1/27/2021</a:t>
             </a:fld>
             <a:endParaRPr lang="en-US"/>
           </a:p>
@@ -9743,7 +9706,7 @@
           <a:p>
             <a:fld id="{02AC24A9-CCB6-4F8D-B8DB-C2F3692CFA5A}" type="datetimeFigureOut">
               <a:rPr lang="en-US" smtClean="0"/>
-              <a:t>1/26/2021</a:t>
+              <a:t>1/27/2021</a:t>
             </a:fld>
             <a:endParaRPr lang="en-US" dirty="0"/>
           </a:p>
@@ -10220,7 +10183,7 @@
           <a:p>
             <a:fld id="{02AC24A9-CCB6-4F8D-B8DB-C2F3692CFA5A}" type="datetimeFigureOut">
               <a:rPr lang="en-US" smtClean="0"/>
-              <a:t>1/26/2021</a:t>
+              <a:t>1/27/2021</a:t>
             </a:fld>
             <a:endParaRPr lang="en-US"/>
           </a:p>
@@ -10463,7 +10426,7 @@
           <a:p>
             <a:fld id="{02AC24A9-CCB6-4F8D-B8DB-C2F3692CFA5A}" type="datetimeFigureOut">
               <a:rPr lang="en-US" smtClean="0"/>
-              <a:t>1/26/2021</a:t>
+              <a:t>1/27/2021</a:t>
             </a:fld>
             <a:endParaRPr lang="en-US"/>
           </a:p>
@@ -11464,10 +11427,10 @@
       </p:grpSpPr>
       <p:sp useBgFill="1">
         <p:nvSpPr>
-          <p:cNvPr id="9" name="Rectangle 8">
+          <p:cNvPr id="18" name="Rectangle 17">
             <a:extLst>
               <a:ext uri="{FF2B5EF4-FFF2-40B4-BE49-F238E27FC236}">
-                <a16:creationId xmlns:a16="http://schemas.microsoft.com/office/drawing/2014/main" id="{53B021B3-DE93-4AB7-8A18-CF5F1CED88B8}"/>
+                <a16:creationId xmlns:a16="http://schemas.microsoft.com/office/drawing/2014/main" id="{81D377EB-C9D2-4ED0-86A6-740A297E3EAC}"/>
               </a:ext>
               <a:ext uri="{C183D7F6-B498-43B3-948B-1728B52AA6E4}">
                 <adec:decorative xmlns:adec="http://schemas.microsoft.com/office/drawing/2017/decorative" val="1"/>
@@ -11540,8 +11503,8 @@
         </p:nvSpPr>
         <p:spPr>
           <a:xfrm>
-            <a:off x="841248" y="256032"/>
-            <a:ext cx="10506456" cy="1014984"/>
+            <a:off x="841248" y="685800"/>
+            <a:ext cx="10506456" cy="1157005"/>
           </a:xfrm>
         </p:spPr>
         <p:txBody>
@@ -11551,7 +11514,7 @@
           <a:lstStyle/>
           <a:p>
             <a:r>
-              <a:rPr lang="en-US" dirty="0"/>
+              <a:rPr lang="en-US" sz="4800"/>
               <a:t>Overview	</a:t>
             </a:r>
           </a:p>
@@ -11559,10 +11522,10 @@
       </p:sp>
       <p:sp>
         <p:nvSpPr>
-          <p:cNvPr id="11" name="Rectangle 10">
+          <p:cNvPr id="20" name="Rectangle 19">
             <a:extLst>
               <a:ext uri="{FF2B5EF4-FFF2-40B4-BE49-F238E27FC236}">
-                <a16:creationId xmlns:a16="http://schemas.microsoft.com/office/drawing/2014/main" id="{52D502E5-F6B4-4D58-B4AE-FC466FF15EE8}"/>
+                <a16:creationId xmlns:a16="http://schemas.microsoft.com/office/drawing/2014/main" id="{066346BE-FDB4-4772-A696-0719490ABD64}"/>
               </a:ext>
               <a:ext uri="{C183D7F6-B498-43B3-948B-1728B52AA6E4}">
                 <adec:decorative xmlns:adec="http://schemas.microsoft.com/office/drawing/2017/decorative" val="1"/>
@@ -11581,28 +11544,18 @@
           </p:nvPr>
         </p:nvSpPr>
         <p:spPr>
-          <a:xfrm>
-            <a:off x="865953" y="1634502"/>
-            <a:ext cx="10451592" cy="9144"/>
+          <a:xfrm rot="5400000">
+            <a:off x="1120140" y="34093"/>
+            <a:ext cx="146304" cy="704088"/>
           </a:xfrm>
           <a:prstGeom prst="rect">
             <a:avLst/>
           </a:prstGeom>
           <a:solidFill>
-            <a:schemeClr val="tx1">
-              <a:lumMod val="65000"/>
-              <a:lumOff val="35000"/>
-              <a:alpha val="30000"/>
-            </a:schemeClr>
+            <a:schemeClr val="accent1"/>
           </a:solidFill>
-          <a:ln w="9525">
-            <a:solidFill>
-              <a:schemeClr val="tx1">
-                <a:lumMod val="65000"/>
-                <a:lumOff val="35000"/>
-                <a:alpha val="30000"/>
-              </a:schemeClr>
-            </a:solidFill>
+          <a:ln>
+            <a:noFill/>
           </a:ln>
         </p:spPr>
         <p:style>
@@ -11661,10 +11614,10 @@
       </p:sp>
       <p:sp>
         <p:nvSpPr>
-          <p:cNvPr id="13" name="Rectangle 12">
+          <p:cNvPr id="22" name="Rectangle 21">
             <a:extLst>
               <a:ext uri="{FF2B5EF4-FFF2-40B4-BE49-F238E27FC236}">
-                <a16:creationId xmlns:a16="http://schemas.microsoft.com/office/drawing/2014/main" id="{9DECDBF4-02B6-4BB4-B65B-B8107AD6A9E8}"/>
+                <a16:creationId xmlns:a16="http://schemas.microsoft.com/office/drawing/2014/main" id="{FB92FFCE-0C90-454E-AA25-D4EE9A6C39C5}"/>
               </a:ext>
               <a:ext uri="{C183D7F6-B498-43B3-948B-1728B52AA6E4}">
                 <adec:decorative xmlns:adec="http://schemas.microsoft.com/office/drawing/2017/decorative" val="1"/>
@@ -11683,19 +11636,23 @@
           </p:nvPr>
         </p:nvSpPr>
         <p:spPr>
-          <a:xfrm flipV="1">
-            <a:off x="841248" y="1538176"/>
-            <a:ext cx="1873457" cy="109814"/>
+          <a:xfrm>
+            <a:off x="841248" y="1958056"/>
+            <a:ext cx="10506456" cy="18288"/>
           </a:xfrm>
           <a:prstGeom prst="rect">
             <a:avLst/>
           </a:prstGeom>
           <a:solidFill>
-            <a:schemeClr val="accent1"/>
+            <a:schemeClr val="tx2">
+              <a:lumMod val="25000"/>
+              <a:lumOff val="75000"/>
+            </a:schemeClr>
           </a:solidFill>
-          <a:ln>
+          <a:ln w="3175">
             <a:noFill/>
           </a:ln>
+          <a:effectLst/>
         </p:spPr>
         <p:style>
           <a:lnRef idx="2">
@@ -11767,14 +11724,14 @@
             <p:ph idx="1"/>
             <p:extLst>
               <p:ext uri="{D42A27DB-BD31-4B8C-83A1-F6EECF244321}">
-                <p14:modId xmlns:p14="http://schemas.microsoft.com/office/powerpoint/2010/main" val="1258665947"/>
+                <p14:modId xmlns:p14="http://schemas.microsoft.com/office/powerpoint/2010/main" val="2653288186"/>
               </p:ext>
             </p:extLst>
           </p:nvPr>
         </p:nvGraphicFramePr>
         <p:xfrm>
-          <a:off x="838200" y="1926266"/>
-          <a:ext cx="10515600" cy="4357524"/>
+          <a:off x="838200" y="2295252"/>
+          <a:ext cx="10506456" cy="3876948"/>
         </p:xfrm>
         <a:graphic>
           <a:graphicData uri="http://schemas.openxmlformats.org/drawingml/2006/diagram">
@@ -14149,21 +14106,6 @@
 </file>
 
 <file path=customXml/item1.xml><?xml version="1.0" encoding="utf-8"?>
-<p:properties xmlns:p="http://schemas.microsoft.com/office/2006/metadata/properties" xmlns:xsi="http://www.w3.org/2001/XMLSchema-instance" xmlns:pc="http://schemas.microsoft.com/office/infopath/2007/PartnerControls">
-  <documentManagement/>
-</p:properties>
-</file>
-
-<file path=customXml/item2.xml><?xml version="1.0" encoding="utf-8"?>
-<?mso-contentType ?>
-<FormTemplates xmlns="http://schemas.microsoft.com/sharepoint/v3/contenttype/forms">
-  <Display>DocumentLibraryForm</Display>
-  <Edit>DocumentLibraryForm</Edit>
-  <New>DocumentLibraryForm</New>
-</FormTemplates>
-</file>
-
-<file path=customXml/item3.xml><?xml version="1.0" encoding="utf-8"?>
 <ct:contentTypeSchema xmlns:ct="http://schemas.microsoft.com/office/2006/metadata/contentType" xmlns:ma="http://schemas.microsoft.com/office/2006/metadata/properties/metaAttributes" ct:_="" ma:_="" ma:contentTypeName="Document" ma:contentTypeID="0x01010003E951E8D0F19940B1B0B16406384538" ma:contentTypeVersion="7" ma:contentTypeDescription="Create a new document." ma:contentTypeScope="" ma:versionID="faee9bec0c283193e26564415fee7e91">
   <xsd:schema xmlns:xsd="http://www.w3.org/2001/XMLSchema" xmlns:xs="http://www.w3.org/2001/XMLSchema" xmlns:p="http://schemas.microsoft.com/office/2006/metadata/properties" xmlns:ns3="3a5d440a-b4d2-458e-b7f7-07fc6973f961" xmlns:ns4="8ce0e608-1604-460a-9c3d-e8ac625bc376" targetNamespace="http://schemas.microsoft.com/office/2006/metadata/properties" ma:root="true" ma:fieldsID="2d6501efea4cf0226d24bc2813b8870d" ns3:_="" ns4:_="">
     <xsd:import namespace="3a5d440a-b4d2-458e-b7f7-07fc6973f961"/>
@@ -14348,32 +14290,22 @@
 </ct:contentTypeSchema>
 </file>
 
-<file path=customXml/itemProps1.xml><?xml version="1.0" encoding="utf-8"?>
-<ds:datastoreItem xmlns:ds="http://schemas.openxmlformats.org/officeDocument/2006/customXml" ds:itemID="{35C71606-8587-4747-B857-A4A1A7FC4E44}">
-  <ds:schemaRefs>
-    <ds:schemaRef ds:uri="http://purl.org/dc/elements/1.1/"/>
-    <ds:schemaRef ds:uri="http://schemas.microsoft.com/office/2006/metadata/properties"/>
-    <ds:schemaRef ds:uri="3a5d440a-b4d2-458e-b7f7-07fc6973f961"/>
-    <ds:schemaRef ds:uri="http://purl.org/dc/terms/"/>
-    <ds:schemaRef ds:uri="8ce0e608-1604-460a-9c3d-e8ac625bc376"/>
-    <ds:schemaRef ds:uri="http://schemas.microsoft.com/office/2006/documentManagement/types"/>
-    <ds:schemaRef ds:uri="http://schemas.microsoft.com/office/infopath/2007/PartnerControls"/>
-    <ds:schemaRef ds:uri="http://schemas.openxmlformats.org/package/2006/metadata/core-properties"/>
-    <ds:schemaRef ds:uri="http://www.w3.org/XML/1998/namespace"/>
-    <ds:schemaRef ds:uri="http://purl.org/dc/dcmitype/"/>
-  </ds:schemaRefs>
-</ds:datastoreItem>
+<file path=customXml/item2.xml><?xml version="1.0" encoding="utf-8"?>
+<?mso-contentType ?>
+<FormTemplates xmlns="http://schemas.microsoft.com/sharepoint/v3/contenttype/forms">
+  <Display>DocumentLibraryForm</Display>
+  <Edit>DocumentLibraryForm</Edit>
+  <New>DocumentLibraryForm</New>
+</FormTemplates>
 </file>
 
-<file path=customXml/itemProps2.xml><?xml version="1.0" encoding="utf-8"?>
-<ds:datastoreItem xmlns:ds="http://schemas.openxmlformats.org/officeDocument/2006/customXml" ds:itemID="{AB127C36-6EC4-46CC-8DC5-8AAE15D1C8A1}">
-  <ds:schemaRefs>
-    <ds:schemaRef ds:uri="http://schemas.microsoft.com/sharepoint/v3/contenttype/forms"/>
-  </ds:schemaRefs>
-</ds:datastoreItem>
+<file path=customXml/item3.xml><?xml version="1.0" encoding="utf-8"?>
+<p:properties xmlns:p="http://schemas.microsoft.com/office/2006/metadata/properties" xmlns:xsi="http://www.w3.org/2001/XMLSchema-instance" xmlns:pc="http://schemas.microsoft.com/office/infopath/2007/PartnerControls">
+  <documentManagement/>
+</p:properties>
 </file>
 
-<file path=customXml/itemProps3.xml><?xml version="1.0" encoding="utf-8"?>
+<file path=customXml/itemProps1.xml><?xml version="1.0" encoding="utf-8"?>
 <ds:datastoreItem xmlns:ds="http://schemas.openxmlformats.org/officeDocument/2006/customXml" ds:itemID="{3783FE59-1BB2-46A6-8968-F4CFC8D7655C}">
   <ds:schemaRefs>
     <ds:schemaRef ds:uri="http://schemas.microsoft.com/office/2006/metadata/contentType"/>
@@ -14390,4 +14322,29 @@
     <ds:schemaRef ds:uri="http://schemas.microsoft.com/internal/obd"/>
   </ds:schemaRefs>
 </ds:datastoreItem>
+</file>
+
+<file path=customXml/itemProps2.xml><?xml version="1.0" encoding="utf-8"?>
+<ds:datastoreItem xmlns:ds="http://schemas.openxmlformats.org/officeDocument/2006/customXml" ds:itemID="{AB127C36-6EC4-46CC-8DC5-8AAE15D1C8A1}">
+  <ds:schemaRefs>
+    <ds:schemaRef ds:uri="http://schemas.microsoft.com/sharepoint/v3/contenttype/forms"/>
+  </ds:schemaRefs>
+</ds:datastoreItem>
+</file>
+
+<file path=customXml/itemProps3.xml><?xml version="1.0" encoding="utf-8"?>
+<ds:datastoreItem xmlns:ds="http://schemas.openxmlformats.org/officeDocument/2006/customXml" ds:itemID="{35C71606-8587-4747-B857-A4A1A7FC4E44}">
+  <ds:schemaRefs>
+    <ds:schemaRef ds:uri="http://purl.org/dc/elements/1.1/"/>
+    <ds:schemaRef ds:uri="http://schemas.microsoft.com/office/2006/metadata/properties"/>
+    <ds:schemaRef ds:uri="3a5d440a-b4d2-458e-b7f7-07fc6973f961"/>
+    <ds:schemaRef ds:uri="http://purl.org/dc/terms/"/>
+    <ds:schemaRef ds:uri="8ce0e608-1604-460a-9c3d-e8ac625bc376"/>
+    <ds:schemaRef ds:uri="http://schemas.microsoft.com/office/2006/documentManagement/types"/>
+    <ds:schemaRef ds:uri="http://schemas.microsoft.com/office/infopath/2007/PartnerControls"/>
+    <ds:schemaRef ds:uri="http://schemas.openxmlformats.org/package/2006/metadata/core-properties"/>
+    <ds:schemaRef ds:uri="http://www.w3.org/XML/1998/namespace"/>
+    <ds:schemaRef ds:uri="http://purl.org/dc/dcmitype/"/>
+  </ds:schemaRefs>
+</ds:datastoreItem>
 </file>